--- a/13.Entropy.pptx
+++ b/13.Entropy.pptx
@@ -19174,7 +19174,7 @@
               <a:rPr lang="en-US" sz="2800" dirty="0">
                 <a:hlinkClick r:id="rId4"/>
               </a:rPr>
-              <a:t>Example 3</a:t>
+              <a:t>Solution</a:t>
             </a:r>
             <a:endParaRPr sz="2800" b="1" i="0" u="none" strike="noStrike" cap="none" dirty="0">
               <a:solidFill>
@@ -19495,7 +19495,7 @@
               <a:rPr lang="en-US" sz="2800" dirty="0">
                 <a:hlinkClick r:id="rId4"/>
               </a:rPr>
-              <a:t>Example 4</a:t>
+              <a:t>Solution</a:t>
             </a:r>
             <a:endParaRPr sz="2800" b="1" i="0" u="none" strike="noStrike" cap="none" dirty="0">
               <a:solidFill>
@@ -20107,10 +20107,10 @@
               <a:buNone/>
             </a:pPr>
             <a:r>
-              <a:rPr lang="en-US" sz="2800" dirty="0">
+              <a:rPr lang="en-US" sz="2800">
                 <a:hlinkClick r:id="rId3"/>
               </a:rPr>
-              <a:t>Example 5</a:t>
+              <a:t>Solution</a:t>
             </a:r>
             <a:endParaRPr sz="2800" b="1" i="0" u="none" strike="noStrike" cap="none" dirty="0">
               <a:solidFill>
@@ -24448,7 +24448,7 @@
               <a:rPr lang="en-US" sz="2800" dirty="0">
                 <a:hlinkClick r:id="rId3"/>
               </a:rPr>
-              <a:t>Example 1</a:t>
+              <a:t>Solution</a:t>
             </a:r>
             <a:endParaRPr sz="2800" b="1" i="0" u="none" strike="noStrike" cap="none" dirty="0">
               <a:solidFill>
@@ -26278,7 +26278,7 @@
               <a:rPr lang="en-US" sz="2800" dirty="0">
                 <a:hlinkClick r:id="rId4"/>
               </a:rPr>
-              <a:t>Example 2</a:t>
+              <a:t>Solution</a:t>
             </a:r>
             <a:endParaRPr sz="2800" b="1" i="0" u="none" strike="noStrike" cap="none" dirty="0">
               <a:solidFill>
